--- a/Aws-ppt-6-powerpoint.pptx
+++ b/Aws-ppt-6-powerpoint.pptx
@@ -3598,10 +3598,10 @@
       </p:par>
     </p:tnLst>
     <p:bldLst>
+      <p:bldP build="whole" bldLvl="1" animBg="1" rev="0" advAuto="0" spid="121" grpId="2"/>
       <p:bldP build="whole" bldLvl="1" animBg="1" rev="0" advAuto="0" spid="123" grpId="4"/>
+      <p:bldP build="whole" bldLvl="1" animBg="1" rev="0" advAuto="0" spid="120" grpId="1"/>
       <p:bldP build="whole" bldLvl="1" animBg="1" rev="0" advAuto="0" spid="122" grpId="3"/>
-      <p:bldP build="whole" bldLvl="1" animBg="1" rev="0" advAuto="0" spid="121" grpId="2"/>
-      <p:bldP build="whole" bldLvl="1" animBg="1" rev="0" advAuto="0" spid="120" grpId="1"/>
       <p:bldP build="whole" bldLvl="1" animBg="1" rev="0" advAuto="0" spid="124" grpId="5"/>
     </p:bldLst>
   </p:timing>
@@ -6965,11 +6965,11 @@
       </p:par>
     </p:tnLst>
     <p:bldLst>
-      <p:bldP build="whole" bldLvl="1" animBg="1" rev="0" advAuto="0" spid="237" grpId="3"/>
-      <p:bldP build="whole" bldLvl="1" animBg="1" rev="0" advAuto="0" spid="235" grpId="1"/>
       <p:bldP build="whole" bldLvl="1" animBg="1" rev="0" advAuto="0" spid="238" grpId="4"/>
       <p:bldP build="whole" bldLvl="1" animBg="1" rev="0" advAuto="0" spid="239" grpId="5"/>
+      <p:bldP build="whole" bldLvl="1" animBg="1" rev="0" advAuto="0" spid="235" grpId="1"/>
       <p:bldP build="whole" bldLvl="1" animBg="1" rev="0" advAuto="0" spid="236" grpId="2"/>
+      <p:bldP build="whole" bldLvl="1" animBg="1" rev="0" advAuto="0" spid="237" grpId="3"/>
     </p:bldLst>
   </p:timing>
 </p:sld>
@@ -8049,12 +8049,12 @@
     </p:tnLst>
     <p:bldLst>
       <p:bldP build="whole" bldLvl="1" animBg="1" rev="0" advAuto="0" spid="256" grpId="6"/>
+      <p:bldP build="whole" bldLvl="1" animBg="1" rev="0" advAuto="0" spid="254" grpId="4"/>
+      <p:bldP build="whole" bldLvl="1" animBg="1" rev="0" advAuto="0" spid="252" grpId="2"/>
+      <p:bldP build="whole" bldLvl="1" animBg="1" rev="0" advAuto="0" spid="251" grpId="1"/>
+      <p:bldP build="whole" bldLvl="1" animBg="1" rev="0" advAuto="0" spid="257" grpId="7"/>
+      <p:bldP build="whole" bldLvl="1" animBg="1" rev="0" advAuto="0" spid="255" grpId="5"/>
       <p:bldP build="whole" bldLvl="1" animBg="1" rev="0" advAuto="0" spid="253" grpId="3"/>
-      <p:bldP build="whole" bldLvl="1" animBg="1" rev="0" advAuto="0" spid="251" grpId="1"/>
-      <p:bldP build="whole" bldLvl="1" animBg="1" rev="0" advAuto="0" spid="255" grpId="5"/>
-      <p:bldP build="whole" bldLvl="1" animBg="1" rev="0" advAuto="0" spid="257" grpId="7"/>
-      <p:bldP build="whole" bldLvl="1" animBg="1" rev="0" advAuto="0" spid="252" grpId="2"/>
-      <p:bldP build="whole" bldLvl="1" animBg="1" rev="0" advAuto="0" spid="254" grpId="4"/>
     </p:bldLst>
   </p:timing>
 </p:sld>
@@ -8980,12 +8980,12 @@
       </p:par>
     </p:tnLst>
     <p:bldLst>
-      <p:bldP build="whole" bldLvl="1" animBg="1" rev="0" advAuto="0" spid="263" grpId="4"/>
+      <p:bldP build="whole" bldLvl="1" animBg="1" rev="0" advAuto="0" spid="265" grpId="6"/>
+      <p:bldP build="whole" bldLvl="1" animBg="1" rev="0" advAuto="0" spid="261" grpId="2"/>
       <p:bldP build="whole" bldLvl="1" animBg="1" rev="0" advAuto="0" spid="262" grpId="3"/>
       <p:bldP build="whole" bldLvl="1" animBg="1" rev="0" advAuto="0" spid="264" grpId="5"/>
-      <p:bldP build="whole" bldLvl="1" animBg="1" rev="0" advAuto="0" spid="261" grpId="2"/>
-      <p:bldP build="whole" bldLvl="1" animBg="1" rev="0" advAuto="0" spid="265" grpId="6"/>
       <p:bldP build="whole" bldLvl="1" animBg="1" rev="0" advAuto="0" spid="260" grpId="1"/>
+      <p:bldP build="whole" bldLvl="1" animBg="1" rev="0" advAuto="0" spid="263" grpId="4"/>
     </p:bldLst>
   </p:timing>
 </p:sld>
@@ -10591,17 +10591,17 @@
       </p:par>
     </p:tnLst>
     <p:bldLst>
+      <p:bldP build="whole" bldLvl="1" animBg="1" rev="0" advAuto="0" spid="273" grpId="3"/>
+      <p:bldP build="whole" bldLvl="1" animBg="1" rev="0" advAuto="0" spid="278" grpId="10"/>
+      <p:bldP build="whole" bldLvl="1" animBg="1" rev="0" advAuto="0" spid="274" grpId="1"/>
+      <p:bldP build="whole" bldLvl="1" animBg="1" rev="0" advAuto="0" spid="275" grpId="2"/>
+      <p:bldP build="whole" bldLvl="1" animBg="1" rev="0" advAuto="0" spid="279" grpId="11"/>
+      <p:bldP build="whole" bldLvl="1" animBg="1" rev="0" advAuto="0" spid="276" grpId="4"/>
       <p:bldP build="whole" bldLvl="1" animBg="1" rev="0" advAuto="0" spid="276" grpId="6"/>
       <p:bldP build="whole" bldLvl="1" animBg="1" rev="0" advAuto="0" spid="281" grpId="5"/>
-      <p:bldP build="whole" bldLvl="1" animBg="1" rev="0" advAuto="0" spid="275" grpId="2"/>
       <p:bldP build="whole" bldLvl="1" animBg="1" rev="0" advAuto="0" spid="277" grpId="7"/>
+      <p:bldP build="whole" bldLvl="1" animBg="1" rev="0" advAuto="0" spid="280" grpId="8"/>
       <p:bldP build="whole" bldLvl="1" animBg="1" rev="0" advAuto="0" spid="277" grpId="9"/>
-      <p:bldP build="whole" bldLvl="1" animBg="1" rev="0" advAuto="0" spid="280" grpId="8"/>
-      <p:bldP build="whole" bldLvl="1" animBg="1" rev="0" advAuto="0" spid="273" grpId="3"/>
-      <p:bldP build="whole" bldLvl="1" animBg="1" rev="0" advAuto="0" spid="279" grpId="11"/>
-      <p:bldP build="whole" bldLvl="1" animBg="1" rev="0" advAuto="0" spid="278" grpId="10"/>
-      <p:bldP build="whole" bldLvl="1" animBg="1" rev="0" advAuto="0" spid="274" grpId="1"/>
-      <p:bldP build="whole" bldLvl="1" animBg="1" rev="0" advAuto="0" spid="276" grpId="4"/>
     </p:bldLst>
   </p:timing>
 </p:sld>
@@ -14868,41 +14868,41 @@
       </p:par>
     </p:tnLst>
     <p:bldLst>
-      <p:bldP build="whole" bldLvl="1" animBg="1" rev="0" advAuto="0" spid="294" grpId="13"/>
-      <p:bldP build="whole" bldLvl="1" animBg="1" rev="0" advAuto="0" spid="298" grpId="54"/>
-      <p:bldP build="whole" bldLvl="1" animBg="1" rev="0" advAuto="0" spid="305" grpId="42"/>
-      <p:bldP build="whole" bldLvl="1" animBg="1" rev="0" advAuto="0" spid="284" grpId="34"/>
-      <p:bldP build="whole" bldLvl="1" animBg="1" rev="0" advAuto="0" spid="300" grpId="32"/>
-      <p:bldP build="whole" bldLvl="1" animBg="1" rev="0" advAuto="0" spid="286" grpId="28"/>
-      <p:bldP build="whole" bldLvl="1" animBg="1" rev="0" advAuto="0" spid="305" grpId="48"/>
       <p:bldP build="whole" bldLvl="1" animBg="1" rev="0" advAuto="0" spid="292" grpId="51"/>
+      <p:bldP build="whole" bldLvl="1" animBg="1" rev="0" advAuto="0" spid="301" grpId="55"/>
       <p:bldP build="whole" bldLvl="1" animBg="1" rev="0" advAuto="0" spid="303" grpId="21"/>
       <p:bldP build="whole" bldLvl="1" animBg="1" rev="0" advAuto="0" spid="303" grpId="25"/>
+      <p:bldP build="whole" bldLvl="1" animBg="1" rev="0" advAuto="0" spid="297" grpId="4"/>
+      <p:bldP build="whole" bldLvl="1" animBg="1" rev="0" advAuto="0" spid="298" grpId="14"/>
+      <p:bldP build="whole" bldLvl="1" animBg="1" rev="0" advAuto="0" spid="299" grpId="31"/>
+      <p:bldP build="whole" bldLvl="1" animBg="1" rev="0" advAuto="0" spid="290" grpId="11"/>
+      <p:bldP build="whole" bldLvl="1" animBg="1" rev="0" advAuto="0" spid="302" grpId="8"/>
+      <p:bldP build="whole" bldLvl="1" animBg="1" rev="0" advAuto="0" spid="286" grpId="52"/>
+      <p:bldP build="whole" bldLvl="1" animBg="1" rev="0" advAuto="0" spid="302" grpId="10"/>
+      <p:bldP build="whole" bldLvl="1" animBg="1" rev="0" advAuto="0" spid="287" grpId="27"/>
+      <p:bldP build="whole" bldLvl="1" animBg="1" rev="0" advAuto="0" spid="304" grpId="22"/>
+      <p:bldP build="whole" bldLvl="1" animBg="1" rev="0" advAuto="0" spid="292" grpId="3"/>
+      <p:bldP build="whole" bldLvl="1" animBg="1" rev="0" advAuto="0" spid="284" grpId="34"/>
+      <p:bldP build="whole" bldLvl="1" animBg="1" rev="0" advAuto="0" spid="304" grpId="26"/>
+      <p:bldP build="whole" bldLvl="1" animBg="1" rev="0" advAuto="0" spid="288" grpId="16"/>
       <p:bldP build="whole" bldLvl="1" animBg="1" rev="0" advAuto="0" spid="306" grpId="43"/>
-      <p:bldP build="whole" bldLvl="1" animBg="1" rev="0" advAuto="0" spid="287" grpId="27"/>
       <p:bldP build="whole" bldLvl="1" animBg="1" rev="0" advAuto="0" spid="306" grpId="49"/>
-      <p:bldP build="whole" bldLvl="1" animBg="1" rev="0" advAuto="0" spid="290" grpId="11"/>
-      <p:bldP build="whole" bldLvl="1" animBg="1" rev="0" advAuto="0" spid="298" grpId="14"/>
-      <p:bldP build="whole" bldLvl="1" animBg="1" rev="0" advAuto="0" spid="288" grpId="16"/>
-      <p:bldP build="whole" bldLvl="1" animBg="1" rev="0" advAuto="0" spid="286" grpId="52"/>
+      <p:bldP build="whole" bldLvl="1" animBg="1" rev="0" advAuto="0" spid="300" grpId="32"/>
+      <p:bldP build="whole" bldLvl="1" animBg="1" rev="0" advAuto="0" spid="289" grpId="15"/>
+      <p:bldP build="whole" bldLvl="1" animBg="1" rev="0" advAuto="0" spid="283" grpId="35"/>
+      <p:bldP build="whole" bldLvl="1" animBg="1" rev="0" advAuto="0" spid="287" grpId="53"/>
+      <p:bldP build="whole" bldLvl="1" animBg="1" rev="0" advAuto="0" spid="295" grpId="1"/>
+      <p:bldP build="whole" bldLvl="1" animBg="1" rev="0" advAuto="0" spid="298" grpId="54"/>
+      <p:bldP build="whole" bldLvl="1" animBg="1" rev="0" advAuto="0" spid="293" grpId="5"/>
+      <p:bldP build="whole" bldLvl="1" animBg="1" rev="0" advAuto="0" spid="307" grpId="44"/>
+      <p:bldP build="whole" bldLvl="1" animBg="1" rev="0" advAuto="0" spid="291" grpId="29"/>
+      <p:bldP build="whole" bldLvl="1" animBg="1" rev="0" advAuto="0" spid="294" grpId="13"/>
+      <p:bldP build="whole" bldLvl="1" animBg="1" rev="0" advAuto="0" spid="305" grpId="42"/>
+      <p:bldP build="whole" bldLvl="1" animBg="1" rev="0" advAuto="0" spid="307" grpId="50"/>
+      <p:bldP build="whole" bldLvl="1" animBg="1" rev="0" advAuto="0" spid="285" grpId="33"/>
+      <p:bldP build="whole" bldLvl="1" animBg="1" rev="0" advAuto="0" spid="305" grpId="48"/>
+      <p:bldP build="whole" bldLvl="1" animBg="1" rev="0" advAuto="0" spid="286" grpId="28"/>
       <p:bldP build="whole" bldLvl="1" animBg="1" rev="0" advAuto="0" spid="296" grpId="2"/>
-      <p:bldP build="whole" bldLvl="1" animBg="1" rev="0" advAuto="0" spid="304" grpId="22"/>
-      <p:bldP build="whole" bldLvl="1" animBg="1" rev="0" advAuto="0" spid="297" grpId="4"/>
-      <p:bldP build="whole" bldLvl="1" animBg="1" rev="0" advAuto="0" spid="292" grpId="3"/>
-      <p:bldP build="whole" bldLvl="1" animBg="1" rev="0" advAuto="0" spid="307" grpId="44"/>
-      <p:bldP build="whole" bldLvl="1" animBg="1" rev="0" advAuto="0" spid="304" grpId="26"/>
-      <p:bldP build="whole" bldLvl="1" animBg="1" rev="0" advAuto="0" spid="301" grpId="55"/>
-      <p:bldP build="whole" bldLvl="1" animBg="1" rev="0" advAuto="0" spid="307" grpId="50"/>
-      <p:bldP build="whole" bldLvl="1" animBg="1" rev="0" advAuto="0" spid="289" grpId="15"/>
-      <p:bldP build="whole" bldLvl="1" animBg="1" rev="0" advAuto="0" spid="299" grpId="31"/>
-      <p:bldP build="whole" bldLvl="1" animBg="1" rev="0" advAuto="0" spid="287" grpId="53"/>
-      <p:bldP build="whole" bldLvl="1" animBg="1" rev="0" advAuto="0" spid="291" grpId="29"/>
-      <p:bldP build="whole" bldLvl="1" animBg="1" rev="0" advAuto="0" spid="295" grpId="1"/>
-      <p:bldP build="whole" bldLvl="1" animBg="1" rev="0" advAuto="0" spid="302" grpId="8"/>
-      <p:bldP build="whole" bldLvl="1" animBg="1" rev="0" advAuto="0" spid="293" grpId="5"/>
-      <p:bldP build="whole" bldLvl="1" animBg="1" rev="0" advAuto="0" spid="283" grpId="35"/>
-      <p:bldP build="whole" bldLvl="1" animBg="1" rev="0" advAuto="0" spid="302" grpId="10"/>
-      <p:bldP build="whole" bldLvl="1" animBg="1" rev="0" advAuto="0" spid="285" grpId="33"/>
     </p:bldLst>
   </p:timing>
 </p:sld>
@@ -15856,18 +15856,18 @@
       </p:par>
     </p:tnLst>
     <p:bldLst>
+      <p:bldP build="whole" bldLvl="1" animBg="1" rev="0" advAuto="0" spid="315" grpId="6"/>
+      <p:bldP build="whole" bldLvl="1" animBg="1" rev="0" advAuto="0" spid="312" grpId="10"/>
+      <p:bldP build="whole" bldLvl="1" animBg="1" rev="0" advAuto="0" spid="311" grpId="5"/>
+      <p:bldP build="whole" bldLvl="1" animBg="1" rev="0" advAuto="0" spid="309" grpId="1"/>
       <p:bldP build="whole" bldLvl="1" animBg="1" rev="0" advAuto="0" spid="311" grpId="7"/>
-      <p:bldP build="whole" bldLvl="1" animBg="1" rev="0" advAuto="0" spid="309" grpId="1"/>
+      <p:bldP build="whole" bldLvl="1" animBg="1" rev="0" advAuto="0" spid="314" grpId="9"/>
       <p:bldP build="whole" bldLvl="1" animBg="1" rev="0" advAuto="0" spid="313" grpId="11"/>
-      <p:bldP build="whole" bldLvl="1" animBg="1" rev="0" advAuto="0" spid="314" grpId="9"/>
-      <p:bldP build="whole" bldLvl="1" animBg="1" rev="0" advAuto="0" spid="315" grpId="6"/>
+      <p:bldP build="whole" bldLvl="1" animBg="1" rev="0" advAuto="0" spid="317" grpId="12"/>
+      <p:bldP build="whole" bldLvl="1" animBg="1" rev="0" advAuto="0" spid="316" grpId="3"/>
       <p:bldP build="whole" bldLvl="1" animBg="1" rev="0" advAuto="0" spid="310" grpId="2"/>
       <p:bldP build="whole" bldLvl="1" animBg="1" rev="0" advAuto="0" spid="310" grpId="4"/>
-      <p:bldP build="whole" bldLvl="1" animBg="1" rev="0" advAuto="0" spid="317" grpId="12"/>
-      <p:bldP build="whole" bldLvl="1" animBg="1" rev="0" advAuto="0" spid="316" grpId="3"/>
       <p:bldP build="whole" bldLvl="1" animBg="1" rev="0" advAuto="0" spid="312" grpId="8"/>
-      <p:bldP build="whole" bldLvl="1" animBg="1" rev="0" advAuto="0" spid="312" grpId="10"/>
-      <p:bldP build="whole" bldLvl="1" animBg="1" rev="0" advAuto="0" spid="311" grpId="5"/>
     </p:bldLst>
   </p:timing>
 </p:sld>
@@ -17931,22 +17931,22 @@
       </p:par>
     </p:tnLst>
     <p:bldLst>
-      <p:bldP build="whole" bldLvl="1" animBg="1" rev="0" advAuto="0" spid="333" grpId="25"/>
+      <p:bldP build="whole" bldLvl="1" animBg="1" rev="0" advAuto="0" spid="328" grpId="17"/>
+      <p:bldP build="whole" bldLvl="1" animBg="1" rev="0" advAuto="0" spid="320" grpId="21"/>
+      <p:bldP build="whole" bldLvl="1" animBg="1" rev="0" advAuto="0" spid="329" grpId="18"/>
+      <p:bldP build="whole" bldLvl="1" animBg="1" rev="0" advAuto="0" spid="331" grpId="22"/>
+      <p:bldP build="whole" bldLvl="1" animBg="1" rev="0" advAuto="0" spid="332" grpId="23"/>
+      <p:bldP build="whole" bldLvl="1" animBg="1" rev="0" advAuto="0" spid="323" grpId="1"/>
+      <p:bldP build="whole" bldLvl="1" animBg="1" rev="0" advAuto="0" spid="331" grpId="24"/>
+      <p:bldP build="whole" bldLvl="1" animBg="1" rev="0" advAuto="0" spid="322" grpId="2"/>
       <p:bldP build="whole" bldLvl="1" animBg="1" rev="0" advAuto="0" spid="334" grpId="26"/>
-      <p:bldP build="whole" bldLvl="1" animBg="1" rev="0" advAuto="0" spid="320" grpId="21"/>
-      <p:bldP build="whole" bldLvl="1" animBg="1" rev="0" advAuto="0" spid="328" grpId="11"/>
+      <p:bldP build="whole" bldLvl="1" animBg="1" rev="0" advAuto="0" spid="321" grpId="3"/>
       <p:bldP build="whole" bldLvl="1" animBg="1" rev="0" advAuto="0" spid="329" grpId="12"/>
       <p:bldP build="whole" bldLvl="1" animBg="1" rev="0" advAuto="0" spid="327" grpId="10"/>
+      <p:bldP build="whole" bldLvl="1" animBg="1" rev="0" advAuto="0" spid="328" grpId="11"/>
+      <p:bldP build="whole" bldLvl="1" animBg="1" rev="0" advAuto="0" spid="333" grpId="25"/>
       <p:bldP build="whole" bldLvl="1" animBg="1" rev="0" advAuto="0" spid="319" grpId="19"/>
-      <p:bldP build="whole" bldLvl="1" animBg="1" rev="0" advAuto="0" spid="329" grpId="18"/>
       <p:bldP build="whole" bldLvl="1" animBg="1" rev="0" advAuto="0" spid="327" grpId="16"/>
-      <p:bldP build="whole" bldLvl="1" animBg="1" rev="0" advAuto="0" spid="328" grpId="17"/>
-      <p:bldP build="whole" bldLvl="1" animBg="1" rev="0" advAuto="0" spid="331" grpId="22"/>
-      <p:bldP build="whole" bldLvl="1" animBg="1" rev="0" advAuto="0" spid="332" grpId="23"/>
-      <p:bldP build="whole" bldLvl="1" animBg="1" rev="0" advAuto="0" spid="331" grpId="24"/>
-      <p:bldP build="whole" bldLvl="1" animBg="1" rev="0" advAuto="0" spid="323" grpId="1"/>
-      <p:bldP build="whole" bldLvl="1" animBg="1" rev="0" advAuto="0" spid="322" grpId="2"/>
-      <p:bldP build="whole" bldLvl="1" animBg="1" rev="0" advAuto="0" spid="321" grpId="3"/>
     </p:bldLst>
   </p:timing>
 </p:sld>
@@ -20986,30 +20986,30 @@
       </p:par>
     </p:tnLst>
     <p:bldLst>
+      <p:bldP build="whole" bldLvl="1" animBg="1" rev="0" advAuto="0" spid="355" grpId="40"/>
+      <p:bldP build="whole" bldLvl="1" animBg="1" rev="0" advAuto="0" spid="361" grpId="9"/>
       <p:bldP build="whole" bldLvl="1" animBg="1" rev="0" advAuto="0" spid="347" grpId="1"/>
+      <p:bldP build="whole" bldLvl="1" animBg="1" rev="0" advAuto="0" spid="357" grpId="36"/>
       <p:bldP build="whole" bldLvl="1" animBg="1" rev="0" advAuto="0" spid="342" grpId="25"/>
       <p:bldP build="whole" bldLvl="1" animBg="1" rev="0" advAuto="0" spid="358" grpId="24"/>
-      <p:bldP build="whole" bldLvl="1" animBg="1" rev="0" advAuto="0" spid="341" grpId="26"/>
       <p:bldP build="whole" bldLvl="1" animBg="1" rev="0" advAuto="0" spid="352" grpId="4"/>
       <p:bldP build="whole" bldLvl="1" animBg="1" rev="0" advAuto="0" spid="352" grpId="6"/>
+      <p:bldP build="whole" bldLvl="1" animBg="1" rev="0" advAuto="0" spid="341" grpId="26"/>
+      <p:bldP build="whole" bldLvl="1" animBg="1" rev="0" advAuto="0" spid="357" grpId="42"/>
       <p:bldP build="whole" bldLvl="1" animBg="1" rev="0" advAuto="0" spid="354" grpId="17"/>
-      <p:bldP build="whole" bldLvl="1" animBg="1" rev="0" advAuto="0" spid="345" grpId="7"/>
       <p:bldP build="whole" bldLvl="1" animBg="1" rev="0" advAuto="0" spid="340" grpId="27"/>
       <p:bldP build="whole" bldLvl="1" animBg="1" rev="0" advAuto="0" spid="353" grpId="16"/>
       <p:bldP build="whole" bldLvl="1" animBg="1" rev="0" advAuto="0" spid="354" grpId="21"/>
-      <p:bldP build="whole" bldLvl="1" animBg="1" rev="0" advAuto="0" spid="357" grpId="36"/>
-      <p:bldP build="whole" bldLvl="1" animBg="1" rev="0" advAuto="0" spid="344" grpId="10"/>
+      <p:bldP build="whole" bldLvl="1" animBg="1" rev="0" advAuto="0" spid="345" grpId="7"/>
       <p:bldP build="whole" bldLvl="1" animBg="1" rev="0" advAuto="0" spid="353" grpId="20"/>
       <p:bldP build="whole" bldLvl="1" animBg="1" rev="0" advAuto="0" spid="356" grpId="35"/>
+      <p:bldP build="whole" bldLvl="1" animBg="1" rev="0" advAuto="0" spid="344" grpId="10"/>
       <p:bldP build="whole" bldLvl="1" animBg="1" rev="0" advAuto="0" spid="359" grpId="45"/>
+      <p:bldP build="whole" bldLvl="1" animBg="1" rev="0" advAuto="0" spid="355" grpId="34"/>
+      <p:bldP build="whole" bldLvl="1" animBg="1" rev="0" advAuto="0" spid="339" grpId="43"/>
       <p:bldP build="whole" bldLvl="1" animBg="1" rev="0" advAuto="0" spid="346" grpId="22"/>
       <p:bldP build="whole" bldLvl="1" animBg="1" rev="0" advAuto="0" spid="343" grpId="11"/>
-      <p:bldP build="whole" bldLvl="1" animBg="1" rev="0" advAuto="0" spid="355" grpId="34"/>
-      <p:bldP build="whole" bldLvl="1" animBg="1" rev="0" advAuto="0" spid="357" grpId="42"/>
       <p:bldP build="whole" bldLvl="1" animBg="1" rev="0" advAuto="0" spid="356" grpId="41"/>
-      <p:bldP build="whole" bldLvl="1" animBg="1" rev="0" advAuto="0" spid="339" grpId="43"/>
-      <p:bldP build="whole" bldLvl="1" animBg="1" rev="0" advAuto="0" spid="355" grpId="40"/>
-      <p:bldP build="whole" bldLvl="1" animBg="1" rev="0" advAuto="0" spid="361" grpId="9"/>
     </p:bldLst>
   </p:timing>
 </p:sld>
@@ -21854,12 +21854,12 @@
       </p:par>
     </p:tnLst>
     <p:bldLst>
+      <p:bldP build="whole" bldLvl="1" animBg="1" rev="0" advAuto="0" spid="370" grpId="3"/>
       <p:bldP build="whole" bldLvl="1" animBg="1" rev="0" advAuto="0" spid="366" grpId="1"/>
-      <p:bldP build="whole" bldLvl="1" animBg="1" rev="0" advAuto="0" spid="371" grpId="4"/>
       <p:bldP build="whole" bldLvl="1" animBg="1" rev="0" advAuto="0" spid="367" grpId="5"/>
       <p:bldP build="whole" bldLvl="1" animBg="1" rev="0" advAuto="0" spid="369" grpId="6"/>
-      <p:bldP build="whole" bldLvl="1" animBg="1" rev="0" advAuto="0" spid="370" grpId="3"/>
       <p:bldP build="whole" bldLvl="1" animBg="1" rev="0" advAuto="0" spid="368" grpId="2"/>
+      <p:bldP build="whole" bldLvl="1" animBg="1" rev="0" advAuto="0" spid="371" grpId="4"/>
     </p:bldLst>
   </p:timing>
 </p:sld>
@@ -23841,26 +23841,26 @@
       </p:par>
     </p:tnLst>
     <p:bldLst>
-      <p:bldP build="whole" bldLvl="1" animBg="1" rev="0" advAuto="0" spid="374" grpId="2"/>
-      <p:bldP build="whole" bldLvl="1" animBg="1" rev="0" advAuto="0" spid="384" grpId="14"/>
-      <p:bldP build="whole" bldLvl="1" animBg="1" rev="0" advAuto="0" spid="374" grpId="4"/>
-      <p:bldP build="whole" bldLvl="1" animBg="1" rev="0" advAuto="0" spid="386" grpId="19"/>
+      <p:bldP build="whole" bldLvl="1" animBg="1" rev="0" advAuto="0" spid="373" grpId="1"/>
+      <p:bldP build="whole" bldLvl="1" animBg="1" rev="0" advAuto="0" spid="376" grpId="8"/>
+      <p:bldP build="whole" bldLvl="1" animBg="1" rev="0" advAuto="0" spid="376" grpId="9"/>
+      <p:bldP build="whole" bldLvl="1" animBg="1" rev="0" advAuto="0" spid="379" grpId="6"/>
       <p:bldP build="whole" bldLvl="1" animBg="1" rev="0" advAuto="0" spid="378" grpId="3"/>
       <p:bldP build="whole" bldLvl="1" animBg="1" rev="0" advAuto="0" spid="380" grpId="10"/>
+      <p:bldP build="whole" bldLvl="1" animBg="1" rev="0" advAuto="0" spid="374" grpId="2"/>
+      <p:bldP build="whole" bldLvl="1" animBg="1" rev="0" advAuto="0" spid="380" grpId="12"/>
+      <p:bldP build="whole" bldLvl="1" animBg="1" rev="0" advAuto="0" spid="374" grpId="4"/>
+      <p:bldP build="whole" bldLvl="1" animBg="1" rev="0" advAuto="0" spid="382" grpId="16"/>
+      <p:bldP build="whole" bldLvl="1" animBg="1" rev="0" advAuto="0" spid="384" grpId="14"/>
+      <p:bldP build="whole" bldLvl="1" animBg="1" rev="0" advAuto="0" spid="382" grpId="18"/>
+      <p:bldP build="whole" bldLvl="1" animBg="1" rev="0" advAuto="0" spid="383" grpId="11"/>
       <p:bldP build="whole" bldLvl="1" animBg="1" rev="0" advAuto="0" spid="387" grpId="20"/>
-      <p:bldP build="whole" bldLvl="1" animBg="1" rev="0" advAuto="0" spid="380" grpId="12"/>
-      <p:bldP build="whole" bldLvl="1" animBg="1" rev="0" advAuto="0" spid="382" grpId="16"/>
-      <p:bldP build="whole" bldLvl="1" animBg="1" rev="0" advAuto="0" spid="383" grpId="11"/>
-      <p:bldP build="whole" bldLvl="1" animBg="1" rev="0" advAuto="0" spid="382" grpId="18"/>
       <p:bldP build="whole" bldLvl="1" animBg="1" rev="0" advAuto="0" spid="375" grpId="5"/>
+      <p:bldP build="whole" bldLvl="1" animBg="1" rev="0" advAuto="0" spid="385" grpId="17"/>
       <p:bldP build="whole" bldLvl="1" animBg="1" rev="0" advAuto="0" spid="375" grpId="7"/>
+      <p:bldP build="whole" bldLvl="1" animBg="1" rev="0" advAuto="0" spid="386" grpId="19"/>
       <p:bldP build="whole" bldLvl="1" animBg="1" rev="0" advAuto="0" spid="381" grpId="13"/>
       <p:bldP build="whole" bldLvl="1" animBg="1" rev="0" advAuto="0" spid="381" grpId="15"/>
-      <p:bldP build="whole" bldLvl="1" animBg="1" rev="0" advAuto="0" spid="376" grpId="8"/>
-      <p:bldP build="whole" bldLvl="1" animBg="1" rev="0" advAuto="0" spid="373" grpId="1"/>
-      <p:bldP build="whole" bldLvl="1" animBg="1" rev="0" advAuto="0" spid="376" grpId="9"/>
-      <p:bldP build="whole" bldLvl="1" animBg="1" rev="0" advAuto="0" spid="379" grpId="6"/>
-      <p:bldP build="whole" bldLvl="1" animBg="1" rev="0" advAuto="0" spid="385" grpId="17"/>
     </p:bldLst>
   </p:timing>
 </p:sld>
@@ -24741,10 +24741,10 @@
     </p:tnLst>
     <p:bldLst>
       <p:bldP build="whole" bldLvl="1" animBg="1" rev="0" advAuto="0" spid="393" grpId="2"/>
+      <p:bldP build="whole" bldLvl="1" animBg="1" rev="0" advAuto="0" spid="392" grpId="1"/>
+      <p:bldP build="whole" bldLvl="1" animBg="1" rev="0" advAuto="0" spid="389" grpId="3"/>
       <p:bldP build="whole" bldLvl="1" animBg="1" rev="0" advAuto="0" spid="390" grpId="4"/>
       <p:bldP build="whole" bldLvl="1" animBg="1" rev="0" advAuto="0" spid="390" grpId="5"/>
-      <p:bldP build="whole" bldLvl="1" animBg="1" rev="0" advAuto="0" spid="389" grpId="3"/>
-      <p:bldP build="whole" bldLvl="1" animBg="1" rev="0" advAuto="0" spid="392" grpId="1"/>
       <p:bldP build="whole" bldLvl="1" animBg="1" rev="0" advAuto="0" spid="391" grpId="6"/>
     </p:bldLst>
   </p:timing>
@@ -25957,13 +25957,13 @@
       </p:par>
     </p:tnLst>
     <p:bldLst>
+      <p:bldP build="whole" bldLvl="1" animBg="1" rev="0" advAuto="0" spid="398" grpId="3"/>
+      <p:bldP build="whole" bldLvl="1" animBg="1" rev="0" advAuto="0" spid="397" grpId="2"/>
+      <p:bldP build="whole" bldLvl="1" animBg="1" rev="0" advAuto="0" spid="400" grpId="5"/>
+      <p:bldP build="whole" bldLvl="1" animBg="1" rev="0" advAuto="0" spid="401" grpId="6"/>
+      <p:bldP build="whole" bldLvl="1" animBg="1" rev="0" advAuto="0" spid="399" grpId="4"/>
       <p:bldP build="whole" bldLvl="1" animBg="1" rev="0" advAuto="0" spid="396" grpId="1"/>
       <p:bldP build="whole" bldLvl="1" animBg="1" rev="0" advAuto="0" spid="402" grpId="7"/>
-      <p:bldP build="whole" bldLvl="1" animBg="1" rev="0" advAuto="0" spid="401" grpId="6"/>
-      <p:bldP build="whole" bldLvl="1" animBg="1" rev="0" advAuto="0" spid="397" grpId="2"/>
-      <p:bldP build="whole" bldLvl="1" animBg="1" rev="0" advAuto="0" spid="398" grpId="3"/>
-      <p:bldP build="whole" bldLvl="1" animBg="1" rev="0" advAuto="0" spid="400" grpId="5"/>
-      <p:bldP build="whole" bldLvl="1" animBg="1" rev="0" advAuto="0" spid="399" grpId="4"/>
     </p:bldLst>
   </p:timing>
 </p:sld>
@@ -28822,23 +28822,23 @@
       </p:par>
     </p:tnLst>
     <p:bldLst>
+      <p:bldP build="whole" bldLvl="1" animBg="1" rev="0" advAuto="0" spid="419" grpId="3"/>
+      <p:bldP build="whole" bldLvl="1" animBg="1" rev="0" advAuto="0" spid="438" grpId="10"/>
       <p:bldP build="whole" bldLvl="1" animBg="1" rev="0" advAuto="0" spid="426" grpId="9"/>
-      <p:bldP build="whole" bldLvl="1" animBg="1" rev="0" advAuto="0" spid="439" grpId="11"/>
-      <p:bldP build="whole" bldLvl="1" animBg="1" rev="0" advAuto="0" spid="419" grpId="3"/>
-      <p:bldP build="whole" bldLvl="1" animBg="1" rev="0" advAuto="0" spid="418" grpId="5"/>
-      <p:bldP build="whole" bldLvl="1" animBg="1" rev="0" advAuto="0" spid="438" grpId="10"/>
-      <p:bldP build="whole" bldLvl="1" animBg="1" rev="0" advAuto="0" spid="434" grpId="2"/>
-      <p:bldP build="whole" bldLvl="1" animBg="1" rev="0" advAuto="0" spid="425" grpId="17"/>
+      <p:bldP build="whole" bldLvl="1" animBg="1" rev="0" advAuto="0" spid="435" grpId="4"/>
       <p:bldP build="whole" bldLvl="1" animBg="1" rev="0" advAuto="0" spid="437" grpId="8"/>
-      <p:bldP build="whole" bldLvl="1" animBg="1" rev="0" advAuto="0" spid="424" grpId="15"/>
+      <p:bldP build="whole" bldLvl="1" animBg="1" rev="0" advAuto="0" spid="429" grpId="12"/>
       <p:bldP build="whole" bldLvl="1" animBg="1" rev="0" advAuto="0" spid="436" grpId="6"/>
       <p:bldP build="whole" bldLvl="1" animBg="1" rev="0" advAuto="0" spid="417" grpId="1"/>
+      <p:bldP build="whole" bldLvl="1" animBg="1" rev="0" advAuto="0" spid="425" grpId="17"/>
+      <p:bldP build="whole" bldLvl="1" animBg="1" rev="0" advAuto="0" spid="434" grpId="2"/>
+      <p:bldP build="whole" bldLvl="1" animBg="1" rev="0" advAuto="0" spid="441" grpId="14"/>
       <p:bldP build="whole" bldLvl="1" animBg="1" rev="0" advAuto="0" spid="420" grpId="7"/>
-      <p:bldP build="whole" bldLvl="1" animBg="1" rev="0" advAuto="0" spid="441" grpId="14"/>
-      <p:bldP build="whole" bldLvl="1" animBg="1" rev="0" advAuto="0" spid="429" grpId="12"/>
       <p:bldP build="whole" bldLvl="1" animBg="1" rev="0" advAuto="0" spid="440" grpId="13"/>
-      <p:bldP build="whole" bldLvl="1" animBg="1" rev="0" advAuto="0" spid="435" grpId="4"/>
       <p:bldP build="whole" bldLvl="1" animBg="1" rev="0" advAuto="0" spid="442" grpId="16"/>
+      <p:bldP build="whole" bldLvl="1" animBg="1" rev="0" advAuto="0" spid="439" grpId="11"/>
+      <p:bldP build="whole" bldLvl="1" animBg="1" rev="0" advAuto="0" spid="418" grpId="5"/>
+      <p:bldP build="whole" bldLvl="1" animBg="1" rev="0" advAuto="0" spid="424" grpId="15"/>
     </p:bldLst>
   </p:timing>
 </p:sld>
@@ -30829,26 +30829,26 @@
       </p:par>
     </p:tnLst>
     <p:bldLst>
+      <p:bldP build="whole" bldLvl="1" animBg="1" rev="0" advAuto="0" spid="450" grpId="3"/>
+      <p:bldP build="whole" bldLvl="1" animBg="1" rev="0" advAuto="0" spid="473" grpId="19"/>
+      <p:bldP build="whole" bldLvl="1" animBg="1" rev="0" advAuto="0" spid="465" grpId="4"/>
+      <p:bldP build="whole" bldLvl="1" animBg="1" rev="0" advAuto="0" spid="448" grpId="8"/>
+      <p:bldP build="whole" bldLvl="1" animBg="1" rev="0" advAuto="0" spid="464" grpId="2"/>
+      <p:bldP build="whole" bldLvl="1" animBg="1" rev="0" advAuto="0" spid="445" grpId="5"/>
       <p:bldP build="whole" bldLvl="1" animBg="1" rev="0" advAuto="0" spid="446" grpId="16"/>
-      <p:bldP build="whole" bldLvl="1" animBg="1" rev="0" advAuto="0" spid="449" grpId="9"/>
-      <p:bldP build="whole" bldLvl="1" animBg="1" rev="0" advAuto="0" spid="448" grpId="8"/>
-      <p:bldP build="whole" bldLvl="1" animBg="1" rev="0" advAuto="0" spid="473" grpId="19"/>
-      <p:bldP build="whole" bldLvl="1" animBg="1" rev="0" advAuto="0" spid="445" grpId="5"/>
-      <p:bldP build="whole" bldLvl="1" animBg="1" rev="0" advAuto="0" spid="444" grpId="1"/>
       <p:bldP build="whole" bldLvl="1" animBg="1" rev="0" advAuto="0" spid="466" grpId="6"/>
       <p:bldP build="whole" bldLvl="1" animBg="1" rev="0" advAuto="0" spid="447" grpId="15"/>
-      <p:bldP build="whole" bldLvl="1" animBg="1" rev="0" advAuto="0" spid="465" grpId="4"/>
       <p:bldP build="whole" bldLvl="1" animBg="1" rev="0" advAuto="0" spid="455" grpId="12"/>
+      <p:bldP build="whole" bldLvl="1" animBg="1" rev="0" advAuto="0" spid="472" grpId="17"/>
       <p:bldP build="whole" bldLvl="1" animBg="1" rev="0" advAuto="0" spid="468" grpId="10"/>
-      <p:bldP build="whole" bldLvl="1" animBg="1" rev="0" advAuto="0" spid="464" grpId="2"/>
+      <p:bldP build="whole" bldLvl="1" animBg="1" rev="0" advAuto="0" spid="444" grpId="1"/>
       <p:bldP build="whole" bldLvl="1" animBg="1" rev="0" advAuto="0" spid="471" grpId="14"/>
-      <p:bldP build="whole" bldLvl="1" animBg="1" rev="0" advAuto="0" spid="472" grpId="17"/>
       <p:bldP build="whole" bldLvl="1" animBg="1" rev="0" advAuto="0" spid="474" grpId="18"/>
       <p:bldP build="whole" bldLvl="1" animBg="1" rev="0" advAuto="0" spid="469" grpId="13"/>
-      <p:bldP build="whole" bldLvl="1" animBg="1" rev="0" advAuto="0" spid="450" grpId="3"/>
+      <p:bldP build="whole" bldLvl="1" animBg="1" rev="0" advAuto="0" spid="475" grpId="20"/>
+      <p:bldP build="whole" bldLvl="1" animBg="1" rev="0" advAuto="0" spid="449" grpId="9"/>
       <p:bldP build="whole" bldLvl="1" animBg="1" rev="0" advAuto="0" spid="470" grpId="11"/>
       <p:bldP build="whole" bldLvl="1" animBg="1" rev="0" advAuto="0" spid="467" grpId="7"/>
-      <p:bldP build="whole" bldLvl="1" animBg="1" rev="0" advAuto="0" spid="475" grpId="20"/>
     </p:bldLst>
   </p:timing>
 </p:sld>
@@ -31620,9 +31620,9 @@
       </p:par>
     </p:tnLst>
     <p:bldLst>
+      <p:bldP build="whole" bldLvl="1" animBg="1" rev="0" advAuto="0" spid="483" grpId="2"/>
       <p:bldP build="whole" bldLvl="1" animBg="1" rev="0" advAuto="0" spid="484" grpId="3"/>
       <p:bldP build="whole" bldLvl="1" animBg="1" rev="0" advAuto="0" spid="482" grpId="1"/>
-      <p:bldP build="whole" bldLvl="1" animBg="1" rev="0" advAuto="0" spid="483" grpId="2"/>
     </p:bldLst>
   </p:timing>
 </p:sld>
